--- a/Проектирование ПО/Курсовая работа.pptx
+++ b/Проектирование ПО/Курсовая работа.pptx
@@ -142,6 +142,9 @@
         </p14:section>
       </p14:sectionLst>
     </p:ext>
+    <p:ext uri="{EFAFB233-063F-42B5-8137-9DF3F51BA10A}">
+      <p15:sldGuideLst xmlns:p15="http://schemas.microsoft.com/office/powerpoint/2012/main"/>
+    </p:ext>
   </p:extLst>
 </p:presentation>
 </file>
@@ -319,7 +322,7 @@
           <a:p>
             <a:fld id="{422228E2-AC11-4CB2-983F-A2B1AE8A40A2}" type="datetimeFigureOut">
               <a:rPr lang="ru-RU" smtClean="0"/>
-              <a:t>14.11.2023</a:t>
+              <a:t>17.11.2023</a:t>
             </a:fld>
             <a:endParaRPr lang="ru-RU"/>
           </a:p>
@@ -649,7 +652,7 @@
           <a:p>
             <a:fld id="{422228E2-AC11-4CB2-983F-A2B1AE8A40A2}" type="datetimeFigureOut">
               <a:rPr lang="ru-RU" smtClean="0"/>
-              <a:t>14.11.2023</a:t>
+              <a:t>17.11.2023</a:t>
             </a:fld>
             <a:endParaRPr lang="ru-RU"/>
           </a:p>
@@ -829,7 +832,7 @@
           <a:p>
             <a:fld id="{422228E2-AC11-4CB2-983F-A2B1AE8A40A2}" type="datetimeFigureOut">
               <a:rPr lang="ru-RU" smtClean="0"/>
-              <a:t>14.11.2023</a:t>
+              <a:t>17.11.2023</a:t>
             </a:fld>
             <a:endParaRPr lang="ru-RU"/>
           </a:p>
@@ -999,7 +1002,7 @@
           <a:p>
             <a:fld id="{422228E2-AC11-4CB2-983F-A2B1AE8A40A2}" type="datetimeFigureOut">
               <a:rPr lang="ru-RU" smtClean="0"/>
-              <a:t>14.11.2023</a:t>
+              <a:t>17.11.2023</a:t>
             </a:fld>
             <a:endParaRPr lang="ru-RU"/>
           </a:p>
@@ -1276,7 +1279,7 @@
           <a:p>
             <a:fld id="{422228E2-AC11-4CB2-983F-A2B1AE8A40A2}" type="datetimeFigureOut">
               <a:rPr lang="ru-RU" smtClean="0"/>
-              <a:t>14.11.2023</a:t>
+              <a:t>17.11.2023</a:t>
             </a:fld>
             <a:endParaRPr lang="ru-RU"/>
           </a:p>
@@ -1670,7 +1673,7 @@
           <a:p>
             <a:fld id="{422228E2-AC11-4CB2-983F-A2B1AE8A40A2}" type="datetimeFigureOut">
               <a:rPr lang="ru-RU" smtClean="0"/>
-              <a:t>14.11.2023</a:t>
+              <a:t>17.11.2023</a:t>
             </a:fld>
             <a:endParaRPr lang="ru-RU"/>
           </a:p>
@@ -2147,7 +2150,7 @@
           <a:p>
             <a:fld id="{422228E2-AC11-4CB2-983F-A2B1AE8A40A2}" type="datetimeFigureOut">
               <a:rPr lang="ru-RU" smtClean="0"/>
-              <a:t>14.11.2023</a:t>
+              <a:t>17.11.2023</a:t>
             </a:fld>
             <a:endParaRPr lang="ru-RU"/>
           </a:p>
@@ -2265,7 +2268,7 @@
           <a:p>
             <a:fld id="{422228E2-AC11-4CB2-983F-A2B1AE8A40A2}" type="datetimeFigureOut">
               <a:rPr lang="ru-RU" smtClean="0"/>
-              <a:t>14.11.2023</a:t>
+              <a:t>17.11.2023</a:t>
             </a:fld>
             <a:endParaRPr lang="ru-RU"/>
           </a:p>
@@ -2360,7 +2363,7 @@
           <a:p>
             <a:fld id="{422228E2-AC11-4CB2-983F-A2B1AE8A40A2}" type="datetimeFigureOut">
               <a:rPr lang="ru-RU" smtClean="0"/>
-              <a:t>14.11.2023</a:t>
+              <a:t>17.11.2023</a:t>
             </a:fld>
             <a:endParaRPr lang="ru-RU"/>
           </a:p>
@@ -2706,7 +2709,7 @@
           <a:p>
             <a:fld id="{422228E2-AC11-4CB2-983F-A2B1AE8A40A2}" type="datetimeFigureOut">
               <a:rPr lang="ru-RU" smtClean="0"/>
-              <a:t>14.11.2023</a:t>
+              <a:t>17.11.2023</a:t>
             </a:fld>
             <a:endParaRPr lang="ru-RU"/>
           </a:p>
@@ -3094,7 +3097,7 @@
           <a:p>
             <a:fld id="{422228E2-AC11-4CB2-983F-A2B1AE8A40A2}" type="datetimeFigureOut">
               <a:rPr lang="ru-RU" smtClean="0"/>
-              <a:t>14.11.2023</a:t>
+              <a:t>17.11.2023</a:t>
             </a:fld>
             <a:endParaRPr lang="ru-RU"/>
           </a:p>
@@ -3372,7 +3375,7 @@
           <a:p>
             <a:fld id="{422228E2-AC11-4CB2-983F-A2B1AE8A40A2}" type="datetimeFigureOut">
               <a:rPr lang="ru-RU" smtClean="0"/>
-              <a:t>14.11.2023</a:t>
+              <a:t>17.11.2023</a:t>
             </a:fld>
             <a:endParaRPr lang="ru-RU"/>
           </a:p>
@@ -6094,28 +6097,30 @@
       </p:sp>
       <p:pic>
         <p:nvPicPr>
-          <p:cNvPr id="5" name="Рисунок 4">
+          <p:cNvPr id="7" name="Рисунок 6">
             <a:extLst>
               <a:ext uri="{FF2B5EF4-FFF2-40B4-BE49-F238E27FC236}">
-                <a16:creationId xmlns:a16="http://schemas.microsoft.com/office/drawing/2014/main" id="{68D86A19-8AC4-4FC6-B2FD-92B8AF15483D}"/>
+                <a16:creationId xmlns:a16="http://schemas.microsoft.com/office/drawing/2014/main" id="{250058B2-C5B8-411A-9052-BDF51AFDD983}"/>
               </a:ext>
             </a:extLst>
           </p:cNvPr>
           <p:cNvPicPr>
-            <a:picLocks noGrp="1"/>
+            <a:picLocks noGrp="1" noChangeAspect="1"/>
           </p:cNvPicPr>
           <p:nvPr>
             <p:ph type="pic" idx="1"/>
           </p:nvPr>
         </p:nvPicPr>
-        <p:blipFill>
+        <p:blipFill rotWithShape="1">
           <a:blip r:embed="rId2"/>
-          <a:srcRect l="17019" r="17019"/>
-          <a:stretch>
-            <a:fillRect/>
-          </a:stretch>
+          <a:srcRect l="24425" t="6789" r="26742" b="3811"/>
+          <a:stretch/>
         </p:blipFill>
         <p:spPr>
+          <a:xfrm>
+            <a:off x="5532120" y="0"/>
+            <a:ext cx="6659880" cy="6857999"/>
+          </a:xfrm>
           <a:prstGeom prst="rect">
             <a:avLst/>
           </a:prstGeom>
@@ -6744,15 +6749,15 @@
       </p:sp>
       <p:pic>
         <p:nvPicPr>
-          <p:cNvPr id="6" name="Рисунок 5">
+          <p:cNvPr id="8" name="Рисунок 7">
             <a:extLst>
               <a:ext uri="{FF2B5EF4-FFF2-40B4-BE49-F238E27FC236}">
-                <a16:creationId xmlns:a16="http://schemas.microsoft.com/office/drawing/2014/main" id="{ED28984E-D185-4674-BF5D-A5C7F9F496DE}"/>
+                <a16:creationId xmlns:a16="http://schemas.microsoft.com/office/drawing/2014/main" id="{AC5C7BBC-AD5E-4100-AED7-73EDA11F18CD}"/>
               </a:ext>
             </a:extLst>
           </p:cNvPr>
           <p:cNvPicPr>
-            <a:picLocks noGrp="1"/>
+            <a:picLocks noGrp="1" noChangeAspect="1"/>
           </p:cNvPicPr>
           <p:nvPr>
             <p:ph type="pic" idx="1"/>

--- a/Проектирование ПО/Курсовая работа.pptx
+++ b/Проектирование ПО/Курсовая работа.pptx
@@ -322,7 +322,7 @@
           <a:p>
             <a:fld id="{422228E2-AC11-4CB2-983F-A2B1AE8A40A2}" type="datetimeFigureOut">
               <a:rPr lang="ru-RU" smtClean="0"/>
-              <a:t>17.11.2023</a:t>
+              <a:t>29.11.2023</a:t>
             </a:fld>
             <a:endParaRPr lang="ru-RU"/>
           </a:p>
@@ -652,7 +652,7 @@
           <a:p>
             <a:fld id="{422228E2-AC11-4CB2-983F-A2B1AE8A40A2}" type="datetimeFigureOut">
               <a:rPr lang="ru-RU" smtClean="0"/>
-              <a:t>17.11.2023</a:t>
+              <a:t>29.11.2023</a:t>
             </a:fld>
             <a:endParaRPr lang="ru-RU"/>
           </a:p>
@@ -832,7 +832,7 @@
           <a:p>
             <a:fld id="{422228E2-AC11-4CB2-983F-A2B1AE8A40A2}" type="datetimeFigureOut">
               <a:rPr lang="ru-RU" smtClean="0"/>
-              <a:t>17.11.2023</a:t>
+              <a:t>29.11.2023</a:t>
             </a:fld>
             <a:endParaRPr lang="ru-RU"/>
           </a:p>
@@ -1002,7 +1002,7 @@
           <a:p>
             <a:fld id="{422228E2-AC11-4CB2-983F-A2B1AE8A40A2}" type="datetimeFigureOut">
               <a:rPr lang="ru-RU" smtClean="0"/>
-              <a:t>17.11.2023</a:t>
+              <a:t>29.11.2023</a:t>
             </a:fld>
             <a:endParaRPr lang="ru-RU"/>
           </a:p>
@@ -1279,7 +1279,7 @@
           <a:p>
             <a:fld id="{422228E2-AC11-4CB2-983F-A2B1AE8A40A2}" type="datetimeFigureOut">
               <a:rPr lang="ru-RU" smtClean="0"/>
-              <a:t>17.11.2023</a:t>
+              <a:t>29.11.2023</a:t>
             </a:fld>
             <a:endParaRPr lang="ru-RU"/>
           </a:p>
@@ -1673,7 +1673,7 @@
           <a:p>
             <a:fld id="{422228E2-AC11-4CB2-983F-A2B1AE8A40A2}" type="datetimeFigureOut">
               <a:rPr lang="ru-RU" smtClean="0"/>
-              <a:t>17.11.2023</a:t>
+              <a:t>29.11.2023</a:t>
             </a:fld>
             <a:endParaRPr lang="ru-RU"/>
           </a:p>
@@ -2150,7 +2150,7 @@
           <a:p>
             <a:fld id="{422228E2-AC11-4CB2-983F-A2B1AE8A40A2}" type="datetimeFigureOut">
               <a:rPr lang="ru-RU" smtClean="0"/>
-              <a:t>17.11.2023</a:t>
+              <a:t>29.11.2023</a:t>
             </a:fld>
             <a:endParaRPr lang="ru-RU"/>
           </a:p>
@@ -2268,7 +2268,7 @@
           <a:p>
             <a:fld id="{422228E2-AC11-4CB2-983F-A2B1AE8A40A2}" type="datetimeFigureOut">
               <a:rPr lang="ru-RU" smtClean="0"/>
-              <a:t>17.11.2023</a:t>
+              <a:t>29.11.2023</a:t>
             </a:fld>
             <a:endParaRPr lang="ru-RU"/>
           </a:p>
@@ -2363,7 +2363,7 @@
           <a:p>
             <a:fld id="{422228E2-AC11-4CB2-983F-A2B1AE8A40A2}" type="datetimeFigureOut">
               <a:rPr lang="ru-RU" smtClean="0"/>
-              <a:t>17.11.2023</a:t>
+              <a:t>29.11.2023</a:t>
             </a:fld>
             <a:endParaRPr lang="ru-RU"/>
           </a:p>
@@ -2709,7 +2709,7 @@
           <a:p>
             <a:fld id="{422228E2-AC11-4CB2-983F-A2B1AE8A40A2}" type="datetimeFigureOut">
               <a:rPr lang="ru-RU" smtClean="0"/>
-              <a:t>17.11.2023</a:t>
+              <a:t>29.11.2023</a:t>
             </a:fld>
             <a:endParaRPr lang="ru-RU"/>
           </a:p>
@@ -3097,7 +3097,7 @@
           <a:p>
             <a:fld id="{422228E2-AC11-4CB2-983F-A2B1AE8A40A2}" type="datetimeFigureOut">
               <a:rPr lang="ru-RU" smtClean="0"/>
-              <a:t>17.11.2023</a:t>
+              <a:t>29.11.2023</a:t>
             </a:fld>
             <a:endParaRPr lang="ru-RU"/>
           </a:p>
@@ -3375,7 +3375,7 @@
           <a:p>
             <a:fld id="{422228E2-AC11-4CB2-983F-A2B1AE8A40A2}" type="datetimeFigureOut">
               <a:rPr lang="ru-RU" smtClean="0"/>
-              <a:t>17.11.2023</a:t>
+              <a:t>29.11.2023</a:t>
             </a:fld>
             <a:endParaRPr lang="ru-RU"/>
           </a:p>
@@ -6097,10 +6097,10 @@
       </p:sp>
       <p:pic>
         <p:nvPicPr>
-          <p:cNvPr id="7" name="Рисунок 6">
+          <p:cNvPr id="6" name="Рисунок 5">
             <a:extLst>
               <a:ext uri="{FF2B5EF4-FFF2-40B4-BE49-F238E27FC236}">
-                <a16:creationId xmlns:a16="http://schemas.microsoft.com/office/drawing/2014/main" id="{250058B2-C5B8-411A-9052-BDF51AFDD983}"/>
+                <a16:creationId xmlns:a16="http://schemas.microsoft.com/office/drawing/2014/main" id="{B73B4766-558E-4D2B-833F-A432C68CBADD}"/>
               </a:ext>
             </a:extLst>
           </p:cNvPr>
@@ -6113,7 +6113,7 @@
         </p:nvPicPr>
         <p:blipFill rotWithShape="1">
           <a:blip r:embed="rId2"/>
-          <a:srcRect l="24425" t="6789" r="26742" b="3811"/>
+          <a:srcRect l="8216" t="9907" r="4137"/>
           <a:stretch/>
         </p:blipFill>
         <p:spPr>
